--- a/catalog.pptx
+++ b/catalog.pptx
@@ -11,8 +11,7 @@
     <p:sldId id="259" r:id="rId5"/>
     <p:sldId id="260" r:id="rId6"/>
     <p:sldId id="261" r:id="rId7"/>
-    <p:sldId id="262" r:id="rId8"/>
-    <p:sldId id="263" r:id="rId9"/>
+    <p:sldId id="263" r:id="rId8"/>
   </p:sldIdLst>
   <p:sldSz cx="9144000" cy="6858000" type="screen4x3"/>
   <p:notesSz cx="6858000" cy="9144000"/>
@@ -348,7 +347,7 @@
     </p:spTree>
     <p:extLst>
       <p:ext uri="{BB962C8B-B14F-4D97-AF65-F5344CB8AC3E}">
-        <p14:creationId xmlns:p14="http://schemas.microsoft.com/office/powerpoint/2010/main" xmlns="" val="3122523634"/>
+        <p14:creationId xmlns="" xmlns:p14="http://schemas.microsoft.com/office/powerpoint/2010/main" val="3122523634"/>
       </p:ext>
     </p:extLst>
   </p:cSld>
@@ -520,7 +519,7 @@
     </p:spTree>
     <p:extLst>
       <p:ext uri="{BB962C8B-B14F-4D97-AF65-F5344CB8AC3E}">
-        <p14:creationId xmlns:p14="http://schemas.microsoft.com/office/powerpoint/2010/main" xmlns="" val="645978752"/>
+        <p14:creationId xmlns="" xmlns:p14="http://schemas.microsoft.com/office/powerpoint/2010/main" val="645978752"/>
       </p:ext>
     </p:extLst>
   </p:cSld>
@@ -702,7 +701,7 @@
     </p:spTree>
     <p:extLst>
       <p:ext uri="{BB962C8B-B14F-4D97-AF65-F5344CB8AC3E}">
-        <p14:creationId xmlns:p14="http://schemas.microsoft.com/office/powerpoint/2010/main" xmlns="" val="3144694051"/>
+        <p14:creationId xmlns="" xmlns:p14="http://schemas.microsoft.com/office/powerpoint/2010/main" val="3144694051"/>
       </p:ext>
     </p:extLst>
   </p:cSld>
@@ -874,7 +873,7 @@
     </p:spTree>
     <p:extLst>
       <p:ext uri="{BB962C8B-B14F-4D97-AF65-F5344CB8AC3E}">
-        <p14:creationId xmlns:p14="http://schemas.microsoft.com/office/powerpoint/2010/main" xmlns="" val="154139509"/>
+        <p14:creationId xmlns="" xmlns:p14="http://schemas.microsoft.com/office/powerpoint/2010/main" val="154139509"/>
       </p:ext>
     </p:extLst>
   </p:cSld>
@@ -1122,7 +1121,7 @@
     </p:spTree>
     <p:extLst>
       <p:ext uri="{BB962C8B-B14F-4D97-AF65-F5344CB8AC3E}">
-        <p14:creationId xmlns:p14="http://schemas.microsoft.com/office/powerpoint/2010/main" xmlns="" val="1355364273"/>
+        <p14:creationId xmlns="" xmlns:p14="http://schemas.microsoft.com/office/powerpoint/2010/main" val="1355364273"/>
       </p:ext>
     </p:extLst>
   </p:cSld>
@@ -1412,7 +1411,7 @@
     </p:spTree>
     <p:extLst>
       <p:ext uri="{BB962C8B-B14F-4D97-AF65-F5344CB8AC3E}">
-        <p14:creationId xmlns:p14="http://schemas.microsoft.com/office/powerpoint/2010/main" xmlns="" val="3213589017"/>
+        <p14:creationId xmlns="" xmlns:p14="http://schemas.microsoft.com/office/powerpoint/2010/main" val="3213589017"/>
       </p:ext>
     </p:extLst>
   </p:cSld>
@@ -1836,7 +1835,7 @@
     </p:spTree>
     <p:extLst>
       <p:ext uri="{BB962C8B-B14F-4D97-AF65-F5344CB8AC3E}">
-        <p14:creationId xmlns:p14="http://schemas.microsoft.com/office/powerpoint/2010/main" xmlns="" val="3584655830"/>
+        <p14:creationId xmlns="" xmlns:p14="http://schemas.microsoft.com/office/powerpoint/2010/main" val="3584655830"/>
       </p:ext>
     </p:extLst>
   </p:cSld>
@@ -1956,7 +1955,7 @@
     </p:spTree>
     <p:extLst>
       <p:ext uri="{BB962C8B-B14F-4D97-AF65-F5344CB8AC3E}">
-        <p14:creationId xmlns:p14="http://schemas.microsoft.com/office/powerpoint/2010/main" xmlns="" val="3894682554"/>
+        <p14:creationId xmlns="" xmlns:p14="http://schemas.microsoft.com/office/powerpoint/2010/main" val="3894682554"/>
       </p:ext>
     </p:extLst>
   </p:cSld>
@@ -2053,7 +2052,7 @@
     </p:spTree>
     <p:extLst>
       <p:ext uri="{BB962C8B-B14F-4D97-AF65-F5344CB8AC3E}">
-        <p14:creationId xmlns:p14="http://schemas.microsoft.com/office/powerpoint/2010/main" xmlns="" val="2853738768"/>
+        <p14:creationId xmlns="" xmlns:p14="http://schemas.microsoft.com/office/powerpoint/2010/main" val="2853738768"/>
       </p:ext>
     </p:extLst>
   </p:cSld>
@@ -2332,7 +2331,7 @@
     </p:spTree>
     <p:extLst>
       <p:ext uri="{BB962C8B-B14F-4D97-AF65-F5344CB8AC3E}">
-        <p14:creationId xmlns:p14="http://schemas.microsoft.com/office/powerpoint/2010/main" xmlns="" val="94854399"/>
+        <p14:creationId xmlns="" xmlns:p14="http://schemas.microsoft.com/office/powerpoint/2010/main" val="94854399"/>
       </p:ext>
     </p:extLst>
   </p:cSld>
@@ -2587,7 +2586,7 @@
     </p:spTree>
     <p:extLst>
       <p:ext uri="{BB962C8B-B14F-4D97-AF65-F5344CB8AC3E}">
-        <p14:creationId xmlns:p14="http://schemas.microsoft.com/office/powerpoint/2010/main" xmlns="" val="409203039"/>
+        <p14:creationId xmlns="" xmlns:p14="http://schemas.microsoft.com/office/powerpoint/2010/main" val="409203039"/>
       </p:ext>
     </p:extLst>
   </p:cSld>
@@ -2838,7 +2837,7 @@
     </p:spTree>
     <p:extLst>
       <p:ext uri="{BB962C8B-B14F-4D97-AF65-F5344CB8AC3E}">
-        <p14:creationId xmlns:p14="http://schemas.microsoft.com/office/powerpoint/2010/main" xmlns="" val="2616921164"/>
+        <p14:creationId xmlns="" xmlns:p14="http://schemas.microsoft.com/office/powerpoint/2010/main" val="2616921164"/>
       </p:ext>
     </p:extLst>
   </p:cSld>
@@ -3196,7 +3195,7 @@
     </p:spTree>
     <p:extLst>
       <p:ext uri="{BB962C8B-B14F-4D97-AF65-F5344CB8AC3E}">
-        <p14:creationId xmlns:p14="http://schemas.microsoft.com/office/powerpoint/2010/main" xmlns="" val="2704128822"/>
+        <p14:creationId xmlns="" xmlns:p14="http://schemas.microsoft.com/office/powerpoint/2010/main" val="2704128822"/>
       </p:ext>
     </p:extLst>
   </p:cSld>
@@ -3296,7 +3295,7 @@
     </p:spTree>
     <p:extLst>
       <p:ext uri="{BB962C8B-B14F-4D97-AF65-F5344CB8AC3E}">
-        <p14:creationId xmlns:p14="http://schemas.microsoft.com/office/powerpoint/2010/main" xmlns="" val="1649086952"/>
+        <p14:creationId xmlns="" xmlns:p14="http://schemas.microsoft.com/office/powerpoint/2010/main" val="1649086952"/>
       </p:ext>
     </p:extLst>
   </p:cSld>
@@ -3412,7 +3411,7 @@
           <a:blip r:embed="rId2" cstate="print">
             <a:extLst>
               <a:ext uri="{28A0092B-C50C-407E-A947-70E740481C1C}">
-                <a14:useLocalDpi xmlns:a14="http://schemas.microsoft.com/office/drawing/2010/main" xmlns="" val="0"/>
+                <a14:useLocalDpi xmlns="" xmlns:a14="http://schemas.microsoft.com/office/drawing/2010/main" val="0"/>
               </a:ext>
             </a:extLst>
           </a:blip>
@@ -3436,14 +3435,14 @@
           <a:effectLst/>
           <a:extLst>
             <a:ext uri="{909E8E84-426E-40DD-AFC4-6F175D3DCCD1}">
-              <a14:hiddenFill xmlns:a14="http://schemas.microsoft.com/office/drawing/2010/main" xmlns="">
+              <a14:hiddenFill xmlns="" xmlns:a14="http://schemas.microsoft.com/office/drawing/2010/main">
                 <a:solidFill>
                   <a:schemeClr val="accent1"/>
                 </a:solidFill>
               </a14:hiddenFill>
             </a:ext>
             <a:ext uri="{91240B29-F687-4F45-9708-019B960494DF}">
-              <a14:hiddenLine xmlns:a14="http://schemas.microsoft.com/office/drawing/2010/main" xmlns="" w="9525">
+              <a14:hiddenLine xmlns="" xmlns:a14="http://schemas.microsoft.com/office/drawing/2010/main" w="9525">
                 <a:solidFill>
                   <a:schemeClr val="tx1"/>
                 </a:solidFill>
@@ -3453,7 +3452,7 @@
               </a14:hiddenLine>
             </a:ext>
             <a:ext uri="{AF507438-7753-43E0-B8FC-AC1667EBCBE1}">
-              <a14:hiddenEffects xmlns:a14="http://schemas.microsoft.com/office/drawing/2010/main" xmlns="">
+              <a14:hiddenEffects xmlns="" xmlns:a14="http://schemas.microsoft.com/office/drawing/2010/main">
                 <a:effectLst>
                   <a:outerShdw dist="35921" dir="2700000" algn="ctr" rotWithShape="0">
                     <a:schemeClr val="bg2"/>
@@ -3476,7 +3475,7 @@
           <a:blip r:embed="rId3" cstate="print">
             <a:extLst>
               <a:ext uri="{28A0092B-C50C-407E-A947-70E740481C1C}">
-                <a14:useLocalDpi xmlns:a14="http://schemas.microsoft.com/office/drawing/2010/main" xmlns="" val="0"/>
+                <a14:useLocalDpi xmlns="" xmlns:a14="http://schemas.microsoft.com/office/drawing/2010/main" val="0"/>
               </a:ext>
             </a:extLst>
           </a:blip>
@@ -3500,14 +3499,14 @@
           <a:effectLst/>
           <a:extLst>
             <a:ext uri="{909E8E84-426E-40DD-AFC4-6F175D3DCCD1}">
-              <a14:hiddenFill xmlns:a14="http://schemas.microsoft.com/office/drawing/2010/main" xmlns="">
+              <a14:hiddenFill xmlns="" xmlns:a14="http://schemas.microsoft.com/office/drawing/2010/main">
                 <a:solidFill>
                   <a:schemeClr val="accent1"/>
                 </a:solidFill>
               </a14:hiddenFill>
             </a:ext>
             <a:ext uri="{91240B29-F687-4F45-9708-019B960494DF}">
-              <a14:hiddenLine xmlns:a14="http://schemas.microsoft.com/office/drawing/2010/main" xmlns="" w="9525">
+              <a14:hiddenLine xmlns="" xmlns:a14="http://schemas.microsoft.com/office/drawing/2010/main" w="9525">
                 <a:solidFill>
                   <a:schemeClr val="tx1"/>
                 </a:solidFill>
@@ -3517,7 +3516,7 @@
               </a14:hiddenLine>
             </a:ext>
             <a:ext uri="{AF507438-7753-43E0-B8FC-AC1667EBCBE1}">
-              <a14:hiddenEffects xmlns:a14="http://schemas.microsoft.com/office/drawing/2010/main" xmlns="">
+              <a14:hiddenEffects xmlns="" xmlns:a14="http://schemas.microsoft.com/office/drawing/2010/main">
                 <a:effectLst>
                   <a:outerShdw dist="35921" dir="2700000" algn="ctr" rotWithShape="0">
                     <a:schemeClr val="bg2"/>
@@ -3531,7 +3530,7 @@
     </p:spTree>
     <p:extLst>
       <p:ext uri="{BB962C8B-B14F-4D97-AF65-F5344CB8AC3E}">
-        <p14:creationId xmlns:p14="http://schemas.microsoft.com/office/powerpoint/2010/main" xmlns="" val="3084304178"/>
+        <p14:creationId xmlns="" xmlns:p14="http://schemas.microsoft.com/office/powerpoint/2010/main" val="3084304178"/>
       </p:ext>
     </p:extLst>
   </p:cSld>
@@ -3606,7 +3605,7 @@
           <a:blip r:embed="rId2" cstate="print">
             <a:extLst>
               <a:ext uri="{28A0092B-C50C-407E-A947-70E740481C1C}">
-                <a14:useLocalDpi xmlns:a14="http://schemas.microsoft.com/office/drawing/2010/main" xmlns="" val="0"/>
+                <a14:useLocalDpi xmlns="" xmlns:a14="http://schemas.microsoft.com/office/drawing/2010/main" val="0"/>
               </a:ext>
             </a:extLst>
           </a:blip>
@@ -3630,14 +3629,14 @@
           <a:effectLst/>
           <a:extLst>
             <a:ext uri="{909E8E84-426E-40DD-AFC4-6F175D3DCCD1}">
-              <a14:hiddenFill xmlns:a14="http://schemas.microsoft.com/office/drawing/2010/main" xmlns="">
+              <a14:hiddenFill xmlns="" xmlns:a14="http://schemas.microsoft.com/office/drawing/2010/main">
                 <a:solidFill>
                   <a:schemeClr val="accent1"/>
                 </a:solidFill>
               </a14:hiddenFill>
             </a:ext>
             <a:ext uri="{91240B29-F687-4F45-9708-019B960494DF}">
-              <a14:hiddenLine xmlns:a14="http://schemas.microsoft.com/office/drawing/2010/main" xmlns="" w="9525">
+              <a14:hiddenLine xmlns="" xmlns:a14="http://schemas.microsoft.com/office/drawing/2010/main" w="9525">
                 <a:solidFill>
                   <a:schemeClr val="tx1"/>
                 </a:solidFill>
@@ -3647,7 +3646,7 @@
               </a14:hiddenLine>
             </a:ext>
             <a:ext uri="{AF507438-7753-43E0-B8FC-AC1667EBCBE1}">
-              <a14:hiddenEffects xmlns:a14="http://schemas.microsoft.com/office/drawing/2010/main" xmlns="">
+              <a14:hiddenEffects xmlns="" xmlns:a14="http://schemas.microsoft.com/office/drawing/2010/main">
                 <a:effectLst>
                   <a:outerShdw dist="35921" dir="2700000" algn="ctr" rotWithShape="0">
                     <a:schemeClr val="bg2"/>
@@ -3661,7 +3660,7 @@
     </p:spTree>
     <p:extLst>
       <p:ext uri="{BB962C8B-B14F-4D97-AF65-F5344CB8AC3E}">
-        <p14:creationId xmlns:p14="http://schemas.microsoft.com/office/powerpoint/2010/main" xmlns="" val="2478666615"/>
+        <p14:creationId xmlns="" xmlns:p14="http://schemas.microsoft.com/office/powerpoint/2010/main" val="2478666615"/>
       </p:ext>
     </p:extLst>
   </p:cSld>
@@ -3723,7 +3722,7 @@
           <a:blip r:embed="rId2" cstate="print">
             <a:extLst>
               <a:ext uri="{28A0092B-C50C-407E-A947-70E740481C1C}">
-                <a14:useLocalDpi xmlns:a14="http://schemas.microsoft.com/office/drawing/2010/main" xmlns="" val="0"/>
+                <a14:useLocalDpi xmlns="" xmlns:a14="http://schemas.microsoft.com/office/drawing/2010/main" val="0"/>
               </a:ext>
             </a:extLst>
           </a:blip>
@@ -3747,14 +3746,14 @@
           <a:effectLst/>
           <a:extLst>
             <a:ext uri="{909E8E84-426E-40DD-AFC4-6F175D3DCCD1}">
-              <a14:hiddenFill xmlns:a14="http://schemas.microsoft.com/office/drawing/2010/main" xmlns="">
+              <a14:hiddenFill xmlns="" xmlns:a14="http://schemas.microsoft.com/office/drawing/2010/main">
                 <a:solidFill>
                   <a:schemeClr val="accent1"/>
                 </a:solidFill>
               </a14:hiddenFill>
             </a:ext>
             <a:ext uri="{91240B29-F687-4F45-9708-019B960494DF}">
-              <a14:hiddenLine xmlns:a14="http://schemas.microsoft.com/office/drawing/2010/main" xmlns="" w="9525">
+              <a14:hiddenLine xmlns="" xmlns:a14="http://schemas.microsoft.com/office/drawing/2010/main" w="9525">
                 <a:solidFill>
                   <a:schemeClr val="tx1"/>
                 </a:solidFill>
@@ -3764,7 +3763,7 @@
               </a14:hiddenLine>
             </a:ext>
             <a:ext uri="{AF507438-7753-43E0-B8FC-AC1667EBCBE1}">
-              <a14:hiddenEffects xmlns:a14="http://schemas.microsoft.com/office/drawing/2010/main" xmlns="">
+              <a14:hiddenEffects xmlns="" xmlns:a14="http://schemas.microsoft.com/office/drawing/2010/main">
                 <a:effectLst>
                   <a:outerShdw dist="35921" dir="2700000" algn="ctr" rotWithShape="0">
                     <a:schemeClr val="bg2"/>
@@ -3778,7 +3777,7 @@
     </p:spTree>
     <p:extLst>
       <p:ext uri="{BB962C8B-B14F-4D97-AF65-F5344CB8AC3E}">
-        <p14:creationId xmlns:p14="http://schemas.microsoft.com/office/powerpoint/2010/main" xmlns="" val="3036164870"/>
+        <p14:creationId xmlns="" xmlns:p14="http://schemas.microsoft.com/office/powerpoint/2010/main" val="3036164870"/>
       </p:ext>
     </p:extLst>
   </p:cSld>
@@ -3845,7 +3844,7 @@
           <a:blip r:embed="rId2" cstate="print">
             <a:extLst>
               <a:ext uri="{28A0092B-C50C-407E-A947-70E740481C1C}">
-                <a14:useLocalDpi xmlns:a14="http://schemas.microsoft.com/office/drawing/2010/main" xmlns="" val="0"/>
+                <a14:useLocalDpi xmlns="" xmlns:a14="http://schemas.microsoft.com/office/drawing/2010/main" val="0"/>
               </a:ext>
             </a:extLst>
           </a:blip>
@@ -3869,14 +3868,14 @@
           <a:effectLst/>
           <a:extLst>
             <a:ext uri="{909E8E84-426E-40DD-AFC4-6F175D3DCCD1}">
-              <a14:hiddenFill xmlns:a14="http://schemas.microsoft.com/office/drawing/2010/main" xmlns="">
+              <a14:hiddenFill xmlns="" xmlns:a14="http://schemas.microsoft.com/office/drawing/2010/main">
                 <a:solidFill>
                   <a:schemeClr val="accent1"/>
                 </a:solidFill>
               </a14:hiddenFill>
             </a:ext>
             <a:ext uri="{91240B29-F687-4F45-9708-019B960494DF}">
-              <a14:hiddenLine xmlns:a14="http://schemas.microsoft.com/office/drawing/2010/main" xmlns="" w="9525">
+              <a14:hiddenLine xmlns="" xmlns:a14="http://schemas.microsoft.com/office/drawing/2010/main" w="9525">
                 <a:solidFill>
                   <a:schemeClr val="tx1"/>
                 </a:solidFill>
@@ -3886,7 +3885,7 @@
               </a14:hiddenLine>
             </a:ext>
             <a:ext uri="{AF507438-7753-43E0-B8FC-AC1667EBCBE1}">
-              <a14:hiddenEffects xmlns:a14="http://schemas.microsoft.com/office/drawing/2010/main" xmlns="">
+              <a14:hiddenEffects xmlns="" xmlns:a14="http://schemas.microsoft.com/office/drawing/2010/main">
                 <a:effectLst>
                   <a:outerShdw dist="35921" dir="2700000" algn="ctr" rotWithShape="0">
                     <a:schemeClr val="bg2"/>
@@ -3900,7 +3899,7 @@
     </p:spTree>
     <p:extLst>
       <p:ext uri="{BB962C8B-B14F-4D97-AF65-F5344CB8AC3E}">
-        <p14:creationId xmlns:p14="http://schemas.microsoft.com/office/powerpoint/2010/main" xmlns="" val="1992650128"/>
+        <p14:creationId xmlns="" xmlns:p14="http://schemas.microsoft.com/office/powerpoint/2010/main" val="1992650128"/>
       </p:ext>
     </p:extLst>
   </p:cSld>
@@ -3944,8 +3943,385 @@
           <a:p>
             <a:r>
               <a:rPr lang="en-US" dirty="0" smtClean="0"/>
-              <a:t>Exist</a:t>
-            </a:r>
+              <a:t>Searches</a:t>
+            </a:r>
+            <a:endParaRPr lang="en-US" dirty="0"/>
+          </a:p>
+        </p:txBody>
+      </p:sp>
+      <p:sp>
+        <p:nvSpPr>
+          <p:cNvPr id="7" name="Content Placeholder 6"/>
+          <p:cNvSpPr>
+            <a:spLocks noGrp="1"/>
+          </p:cNvSpPr>
+          <p:nvPr>
+            <p:ph sz="half" idx="1"/>
+          </p:nvPr>
+        </p:nvSpPr>
+        <p:spPr>
+          <a:xfrm>
+            <a:off x="228600" y="1447800"/>
+            <a:ext cx="4267200" cy="4678363"/>
+          </a:xfrm>
+        </p:spPr>
+        <p:txBody>
+          <a:bodyPr>
+            <a:normAutofit fontScale="55000" lnSpcReduction="20000"/>
+          </a:bodyPr>
+          <a:lstStyle/>
+          <a:p>
+            <a:r>
+              <a:rPr lang="en-US" dirty="0" smtClean="0"/>
+              <a:t>Entire catalog:</a:t>
+            </a:r>
+          </a:p>
+          <a:p>
+            <a:pPr>
+              <a:buNone/>
+            </a:pPr>
+            <a:r>
+              <a:rPr lang="en-US" dirty="0" smtClean="0"/>
+              <a:t>	</a:t>
+            </a:r>
+            <a:r>
+              <a:rPr lang="en-US" dirty="0" smtClean="0"/>
+              <a:t>doc</a:t>
+            </a:r>
+            <a:r>
+              <a:rPr lang="en-US" dirty="0" smtClean="0"/>
+              <a:t>("XMLproject.xml")/Bibliography/Item[contains(.,"Plato")]</a:t>
+            </a:r>
+          </a:p>
+          <a:p>
+            <a:pPr>
+              <a:buNone/>
+            </a:pPr>
+            <a:endParaRPr lang="en-US" dirty="0" smtClean="0"/>
+          </a:p>
+          <a:p>
+            <a:pPr>
+              <a:buNone/>
+            </a:pPr>
+            <a:endParaRPr lang="en-US" dirty="0" smtClean="0"/>
+          </a:p>
+          <a:p>
+            <a:r>
+              <a:rPr lang="en-US" dirty="0" smtClean="0"/>
+              <a:t>Author:</a:t>
+            </a:r>
+          </a:p>
+          <a:p>
+            <a:pPr>
+              <a:buNone/>
+            </a:pPr>
+            <a:r>
+              <a:rPr lang="en-US" dirty="0" smtClean="0"/>
+              <a:t>	doc</a:t>
+            </a:r>
+            <a:r>
+              <a:rPr lang="en-US" dirty="0" smtClean="0"/>
+              <a:t>("XMLproject.xml")/Bibliography/Item/</a:t>
+            </a:r>
+            <a:r>
+              <a:rPr lang="en-US" dirty="0" err="1" smtClean="0"/>
+              <a:t>dc.Creator</a:t>
+            </a:r>
+            <a:r>
+              <a:rPr lang="en-US" dirty="0" smtClean="0"/>
+              <a:t>[contains(.,"Plato</a:t>
+            </a:r>
+            <a:r>
+              <a:rPr lang="en-US" dirty="0" smtClean="0"/>
+              <a:t>")]/../.</a:t>
+            </a:r>
+          </a:p>
+          <a:p>
+            <a:endParaRPr lang="en-US" dirty="0" smtClean="0"/>
+          </a:p>
+          <a:p>
+            <a:r>
+              <a:rPr lang="en-US" dirty="0" smtClean="0"/>
+              <a:t>Date:</a:t>
+            </a:r>
+          </a:p>
+          <a:p>
+            <a:pPr>
+              <a:buNone/>
+            </a:pPr>
+            <a:r>
+              <a:rPr lang="en-US" dirty="0" smtClean="0"/>
+              <a:t>	</a:t>
+            </a:r>
+            <a:r>
+              <a:rPr lang="en-US" dirty="0" smtClean="0"/>
+              <a:t>doc</a:t>
+            </a:r>
+            <a:r>
+              <a:rPr lang="en-US" dirty="0" smtClean="0"/>
+              <a:t>("XMLproject.xml")/Bibliography/Item/</a:t>
+            </a:r>
+            <a:r>
+              <a:rPr lang="en-US" dirty="0" err="1" smtClean="0"/>
+              <a:t>dc.Description</a:t>
+            </a:r>
+            <a:r>
+              <a:rPr lang="en-US" dirty="0" smtClean="0"/>
+              <a:t>[contains(.,"Plato</a:t>
+            </a:r>
+            <a:r>
+              <a:rPr lang="en-US" dirty="0" smtClean="0"/>
+              <a:t>")]/../.</a:t>
+            </a:r>
+          </a:p>
+          <a:p>
+            <a:pPr>
+              <a:buNone/>
+            </a:pPr>
+            <a:r>
+              <a:rPr lang="en-US" dirty="0" smtClean="0"/>
+              <a:t> </a:t>
+            </a:r>
+          </a:p>
+          <a:p>
+            <a:r>
+              <a:rPr lang="en-US" dirty="0" smtClean="0"/>
+              <a:t>Editor: </a:t>
+            </a:r>
+          </a:p>
+          <a:p>
+            <a:pPr>
+              <a:buNone/>
+            </a:pPr>
+            <a:r>
+              <a:rPr lang="en-US" dirty="0" smtClean="0"/>
+              <a:t>	</a:t>
+            </a:r>
+            <a:r>
+              <a:rPr lang="en-US" dirty="0" smtClean="0"/>
+              <a:t>doc</a:t>
+            </a:r>
+            <a:r>
+              <a:rPr lang="en-US" dirty="0" smtClean="0"/>
+              <a:t>("XMLproject.xml")/Bibliography/Item/</a:t>
+            </a:r>
+            <a:r>
+              <a:rPr lang="en-US" dirty="0" err="1" smtClean="0"/>
+              <a:t>dc.Contributor.Editor</a:t>
+            </a:r>
+            <a:r>
+              <a:rPr lang="en-US" dirty="0" smtClean="0"/>
+              <a:t>[contains(.,"Plato")]/../.</a:t>
+            </a:r>
+          </a:p>
+          <a:p>
+            <a:pPr>
+              <a:buNone/>
+            </a:pPr>
+            <a:endParaRPr lang="en-US" dirty="0" smtClean="0"/>
+          </a:p>
+          <a:p>
+            <a:r>
+              <a:rPr lang="en-US" dirty="0" smtClean="0"/>
+              <a:t>Translator:</a:t>
+            </a:r>
+          </a:p>
+          <a:p>
+            <a:pPr>
+              <a:buNone/>
+            </a:pPr>
+            <a:r>
+              <a:rPr lang="en-US" dirty="0" smtClean="0"/>
+              <a:t>	</a:t>
+            </a:r>
+            <a:r>
+              <a:rPr lang="en-US" dirty="0" smtClean="0"/>
+              <a:t>doc</a:t>
+            </a:r>
+            <a:r>
+              <a:rPr lang="en-US" dirty="0" smtClean="0"/>
+              <a:t>("XMLproject.xml")/Bibliography/Item/</a:t>
+            </a:r>
+            <a:r>
+              <a:rPr lang="en-US" dirty="0" err="1" smtClean="0"/>
+              <a:t>dc.Contributor.Translator</a:t>
+            </a:r>
+            <a:r>
+              <a:rPr lang="en-US" dirty="0" smtClean="0"/>
+              <a:t>[contains(.,"Plato")]/../.</a:t>
+            </a:r>
+          </a:p>
+          <a:p>
+            <a:endParaRPr lang="en-US" dirty="0"/>
+          </a:p>
+        </p:txBody>
+      </p:sp>
+      <p:sp>
+        <p:nvSpPr>
+          <p:cNvPr id="8" name="Content Placeholder 7"/>
+          <p:cNvSpPr>
+            <a:spLocks noGrp="1"/>
+          </p:cNvSpPr>
+          <p:nvPr>
+            <p:ph sz="half" idx="2"/>
+          </p:nvPr>
+        </p:nvSpPr>
+        <p:spPr/>
+        <p:txBody>
+          <a:bodyPr>
+            <a:normAutofit fontScale="55000" lnSpcReduction="20000"/>
+          </a:bodyPr>
+          <a:lstStyle/>
+          <a:p>
+            <a:r>
+              <a:rPr lang="en-US" dirty="0" smtClean="0"/>
+              <a:t>Title: </a:t>
+            </a:r>
+          </a:p>
+          <a:p>
+            <a:pPr>
+              <a:buNone/>
+            </a:pPr>
+            <a:r>
+              <a:rPr lang="en-US" dirty="0" smtClean="0"/>
+              <a:t>	doc</a:t>
+            </a:r>
+            <a:r>
+              <a:rPr lang="en-US" dirty="0" smtClean="0"/>
+              <a:t>("XMLproject.xml")/Bibliography/Item/</a:t>
+            </a:r>
+            <a:r>
+              <a:rPr lang="en-US" dirty="0" err="1" smtClean="0"/>
+              <a:t>dc.Title</a:t>
+            </a:r>
+            <a:r>
+              <a:rPr lang="en-US" dirty="0" smtClean="0"/>
+              <a:t>[contains(.,"Plato")]/../.</a:t>
+            </a:r>
+          </a:p>
+          <a:p>
+            <a:pPr>
+              <a:buNone/>
+            </a:pPr>
+            <a:r>
+              <a:rPr lang="en-US" dirty="0" smtClean="0"/>
+              <a:t> </a:t>
+            </a:r>
+          </a:p>
+          <a:p>
+            <a:r>
+              <a:rPr lang="en-US" dirty="0" smtClean="0"/>
+              <a:t>Series Title: </a:t>
+            </a:r>
+          </a:p>
+          <a:p>
+            <a:pPr>
+              <a:buNone/>
+            </a:pPr>
+            <a:r>
+              <a:rPr lang="en-US" dirty="0" smtClean="0"/>
+              <a:t>	doc</a:t>
+            </a:r>
+            <a:r>
+              <a:rPr lang="en-US" dirty="0" smtClean="0"/>
+              <a:t>("XMLproject.xml")/Bibliography/Item/</a:t>
+            </a:r>
+            <a:r>
+              <a:rPr lang="en-US" dirty="0" err="1" smtClean="0"/>
+              <a:t>dc.Relation.IsPartOf</a:t>
+            </a:r>
+            <a:r>
+              <a:rPr lang="en-US" dirty="0" smtClean="0"/>
+              <a:t>[contains(.,"Plato")]/../.</a:t>
+            </a:r>
+          </a:p>
+          <a:p>
+            <a:pPr>
+              <a:buNone/>
+            </a:pPr>
+            <a:r>
+              <a:rPr lang="en-US" dirty="0" smtClean="0"/>
+              <a:t> </a:t>
+            </a:r>
+          </a:p>
+          <a:p>
+            <a:r>
+              <a:rPr lang="en-US" dirty="0" smtClean="0"/>
+              <a:t>Journal Article Citation : doc("XMLproject.xml")/Bibliography/Item/</a:t>
+            </a:r>
+            <a:r>
+              <a:rPr lang="en-US" dirty="0" err="1" smtClean="0"/>
+              <a:t>dc.Terms.BibliographicCitation</a:t>
+            </a:r>
+            <a:r>
+              <a:rPr lang="en-US" dirty="0" smtClean="0"/>
+              <a:t>[contains(.,"Plato")]/../.</a:t>
+            </a:r>
+          </a:p>
+          <a:p>
+            <a:pPr>
+              <a:buNone/>
+            </a:pPr>
+            <a:endParaRPr lang="en-US" dirty="0" smtClean="0"/>
+          </a:p>
+          <a:p>
+            <a:r>
+              <a:rPr lang="en-US" dirty="0" smtClean="0"/>
+              <a:t>Publisher: </a:t>
+            </a:r>
+            <a:r>
+              <a:rPr lang="en-US" dirty="0" smtClean="0"/>
+              <a:t>doc</a:t>
+            </a:r>
+            <a:r>
+              <a:rPr lang="en-US" dirty="0" smtClean="0"/>
+              <a:t>("XMLproject.xml")/Bibliography/Item/</a:t>
+            </a:r>
+            <a:r>
+              <a:rPr lang="en-US" dirty="0" err="1" smtClean="0"/>
+              <a:t>dc.Publisher</a:t>
+            </a:r>
+            <a:r>
+              <a:rPr lang="en-US" dirty="0" smtClean="0"/>
+              <a:t>[contains(.,"Plato</a:t>
+            </a:r>
+            <a:r>
+              <a:rPr lang="en-US" dirty="0" smtClean="0"/>
+              <a:t>")]/../.</a:t>
+            </a:r>
+          </a:p>
+          <a:p>
+            <a:pPr>
+              <a:buNone/>
+            </a:pPr>
+            <a:r>
+              <a:rPr lang="en-US" dirty="0" smtClean="0"/>
+              <a:t> </a:t>
+            </a:r>
+          </a:p>
+          <a:p>
+            <a:r>
+              <a:rPr lang="en-US" dirty="0" smtClean="0"/>
+              <a:t>Item Type: </a:t>
+            </a:r>
+            <a:r>
+              <a:rPr lang="en-US" dirty="0" smtClean="0"/>
+              <a:t>doc</a:t>
+            </a:r>
+            <a:r>
+              <a:rPr lang="en-US" dirty="0" smtClean="0"/>
+              <a:t>("XMLproject.xml")/Bibliography/Item/</a:t>
+            </a:r>
+            <a:r>
+              <a:rPr lang="en-US" dirty="0" err="1" smtClean="0"/>
+              <a:t>dc.Type</a:t>
+            </a:r>
+            <a:r>
+              <a:rPr lang="en-US" dirty="0" smtClean="0"/>
+              <a:t>[contains(.,"Plato")]/../.</a:t>
+            </a:r>
+          </a:p>
+          <a:p>
             <a:endParaRPr lang="en-US" dirty="0"/>
           </a:p>
         </p:txBody>
@@ -3953,60 +4329,7 @@
     </p:spTree>
     <p:extLst>
       <p:ext uri="{BB962C8B-B14F-4D97-AF65-F5344CB8AC3E}">
-        <p14:creationId xmlns:p14="http://schemas.microsoft.com/office/powerpoint/2010/main" xmlns="" val="4173130501"/>
-      </p:ext>
-    </p:extLst>
-  </p:cSld>
-  <p:clrMapOvr>
-    <a:masterClrMapping/>
-  </p:clrMapOvr>
-</p:sld>
-</file>
-
-<file path=ppt/slides/slide8.xml><?xml version="1.0" encoding="utf-8"?>
-<p:sld xmlns:a="http://schemas.openxmlformats.org/drawingml/2006/main" xmlns:r="http://schemas.openxmlformats.org/officeDocument/2006/relationships" xmlns:p="http://schemas.openxmlformats.org/presentationml/2006/main">
-  <p:cSld>
-    <p:spTree>
-      <p:nvGrpSpPr>
-        <p:cNvPr id="1" name=""/>
-        <p:cNvGrpSpPr/>
-        <p:nvPr/>
-      </p:nvGrpSpPr>
-      <p:grpSpPr>
-        <a:xfrm>
-          <a:off x="0" y="0"/>
-          <a:ext cx="0" cy="0"/>
-          <a:chOff x="0" y="0"/>
-          <a:chExt cx="0" cy="0"/>
-        </a:xfrm>
-      </p:grpSpPr>
-      <p:sp>
-        <p:nvSpPr>
-          <p:cNvPr id="2" name="Title 1"/>
-          <p:cNvSpPr>
-            <a:spLocks noGrp="1"/>
-          </p:cNvSpPr>
-          <p:nvPr>
-            <p:ph type="title"/>
-          </p:nvPr>
-        </p:nvSpPr>
-        <p:spPr/>
-        <p:txBody>
-          <a:bodyPr/>
-          <a:lstStyle/>
-          <a:p>
-            <a:r>
-              <a:rPr lang="en-US" dirty="0" smtClean="0"/>
-              <a:t>Search Results </a:t>
-            </a:r>
-            <a:endParaRPr lang="en-US" dirty="0"/>
-          </a:p>
-        </p:txBody>
-      </p:sp>
-    </p:spTree>
-    <p:extLst>
-      <p:ext uri="{BB962C8B-B14F-4D97-AF65-F5344CB8AC3E}">
-        <p14:creationId xmlns:p14="http://schemas.microsoft.com/office/powerpoint/2010/main" xmlns="" val="2408119054"/>
+        <p14:creationId xmlns="" xmlns:p14="http://schemas.microsoft.com/office/powerpoint/2010/main" val="2408119054"/>
       </p:ext>
     </p:extLst>
   </p:cSld>
